--- a/.NET Group Basel 2018.09.25/ASP.NET Core Security.pptx
+++ b/.NET Group Basel 2018.09.25/ASP.NET Core Security.pptx
@@ -278,7 +278,7 @@
           <a:p>
             <a:fld id="{607A31D0-8CDF-43F4-93E5-6D9BCDB96118}" type="datetimeFigureOut">
               <a:rPr lang="de-DE" smtClean="0"/>
-              <a:t>26.09.2018</a:t>
+              <a:t>27.09.2018</a:t>
             </a:fld>
             <a:endParaRPr lang="de-DE"/>
           </a:p>
@@ -5770,7 +5770,7 @@
           <a:p>
             <a:fld id="{31B45A5F-6AA1-471D-956D-5B6631FC2132}" type="datetimeFigureOut">
               <a:rPr lang="en-GB" smtClean="0"/>
-              <a:t>26/09/2018</a:t>
+              <a:t>27/09/2018</a:t>
             </a:fld>
             <a:endParaRPr lang="en-GB"/>
           </a:p>
@@ -5940,7 +5940,7 @@
           <a:p>
             <a:fld id="{31B45A5F-6AA1-471D-956D-5B6631FC2132}" type="datetimeFigureOut">
               <a:rPr lang="en-GB" smtClean="0"/>
-              <a:t>26/09/2018</a:t>
+              <a:t>27/09/2018</a:t>
             </a:fld>
             <a:endParaRPr lang="en-GB"/>
           </a:p>
@@ -6120,7 +6120,7 @@
           <a:p>
             <a:fld id="{31B45A5F-6AA1-471D-956D-5B6631FC2132}" type="datetimeFigureOut">
               <a:rPr lang="en-GB" smtClean="0"/>
-              <a:t>26/09/2018</a:t>
+              <a:t>27/09/2018</a:t>
             </a:fld>
             <a:endParaRPr lang="en-GB"/>
           </a:p>
@@ -6290,7 +6290,7 @@
           <a:p>
             <a:fld id="{31B45A5F-6AA1-471D-956D-5B6631FC2132}" type="datetimeFigureOut">
               <a:rPr lang="en-GB" smtClean="0"/>
-              <a:t>26/09/2018</a:t>
+              <a:t>27/09/2018</a:t>
             </a:fld>
             <a:endParaRPr lang="en-GB"/>
           </a:p>
@@ -6536,7 +6536,7 @@
           <a:p>
             <a:fld id="{31B45A5F-6AA1-471D-956D-5B6631FC2132}" type="datetimeFigureOut">
               <a:rPr lang="en-GB" smtClean="0"/>
-              <a:t>26/09/2018</a:t>
+              <a:t>27/09/2018</a:t>
             </a:fld>
             <a:endParaRPr lang="en-GB"/>
           </a:p>
@@ -6768,7 +6768,7 @@
           <a:p>
             <a:fld id="{31B45A5F-6AA1-471D-956D-5B6631FC2132}" type="datetimeFigureOut">
               <a:rPr lang="en-GB" smtClean="0"/>
-              <a:t>26/09/2018</a:t>
+              <a:t>27/09/2018</a:t>
             </a:fld>
             <a:endParaRPr lang="en-GB"/>
           </a:p>
@@ -7135,7 +7135,7 @@
           <a:p>
             <a:fld id="{31B45A5F-6AA1-471D-956D-5B6631FC2132}" type="datetimeFigureOut">
               <a:rPr lang="en-GB" smtClean="0"/>
-              <a:t>26/09/2018</a:t>
+              <a:t>27/09/2018</a:t>
             </a:fld>
             <a:endParaRPr lang="en-GB"/>
           </a:p>
@@ -7253,7 +7253,7 @@
           <a:p>
             <a:fld id="{31B45A5F-6AA1-471D-956D-5B6631FC2132}" type="datetimeFigureOut">
               <a:rPr lang="en-GB" smtClean="0"/>
-              <a:t>26/09/2018</a:t>
+              <a:t>27/09/2018</a:t>
             </a:fld>
             <a:endParaRPr lang="en-GB"/>
           </a:p>
@@ -7348,7 +7348,7 @@
           <a:p>
             <a:fld id="{31B45A5F-6AA1-471D-956D-5B6631FC2132}" type="datetimeFigureOut">
               <a:rPr lang="en-GB" smtClean="0"/>
-              <a:t>26/09/2018</a:t>
+              <a:t>27/09/2018</a:t>
             </a:fld>
             <a:endParaRPr lang="en-GB"/>
           </a:p>
@@ -7625,7 +7625,7 @@
           <a:p>
             <a:fld id="{31B45A5F-6AA1-471D-956D-5B6631FC2132}" type="datetimeFigureOut">
               <a:rPr lang="en-GB" smtClean="0"/>
-              <a:t>26/09/2018</a:t>
+              <a:t>27/09/2018</a:t>
             </a:fld>
             <a:endParaRPr lang="en-GB"/>
           </a:p>
@@ -7878,7 +7878,7 @@
           <a:p>
             <a:fld id="{31B45A5F-6AA1-471D-956D-5B6631FC2132}" type="datetimeFigureOut">
               <a:rPr lang="en-GB" smtClean="0"/>
-              <a:t>26/09/2018</a:t>
+              <a:t>27/09/2018</a:t>
             </a:fld>
             <a:endParaRPr lang="en-GB"/>
           </a:p>
@@ -8091,7 +8091,7 @@
           <a:p>
             <a:fld id="{31B45A5F-6AA1-471D-956D-5B6631FC2132}" type="datetimeFigureOut">
               <a:rPr lang="en-GB" smtClean="0"/>
-              <a:t>26/09/2018</a:t>
+              <a:t>27/09/2018</a:t>
             </a:fld>
             <a:endParaRPr lang="en-GB"/>
           </a:p>
@@ -20483,7 +20483,7 @@
         <p:spPr>
           <a:xfrm>
             <a:off x="729673" y="646545"/>
-            <a:ext cx="10547927" cy="4801314"/>
+            <a:ext cx="10547927" cy="5632311"/>
           </a:xfrm>
           <a:prstGeom prst="rect">
             <a:avLst/>
@@ -20599,6 +20599,21 @@
               </a:rPr>
               <a:t>https://scotthelme.co.uk/say-hello-to-security-txt</a:t>
             </a:r>
+            <a:endParaRPr lang="en-CH" dirty="0"/>
+          </a:p>
+          <a:p>
+            <a:endParaRPr lang="en-CH" dirty="0"/>
+          </a:p>
+          <a:p>
+            <a:r>
+              <a:rPr lang="en-GB" dirty="0">
+                <a:hlinkClick r:id="rId10"/>
+              </a:rPr>
+              <a:t>https://www.youtube.com/watch?v=g_N9BbLIdk0</a:t>
+            </a:r>
+            <a:endParaRPr lang="en-CH"/>
+          </a:p>
+          <a:p>
             <a:endParaRPr lang="en-GB" dirty="0"/>
           </a:p>
         </p:txBody>
